--- a/Hw4/Hw4.pptx
+++ b/Hw4/Hw4.pptx
@@ -226,7 +226,7 @@
           <a:p>
             <a:fld id="{54CE2DA4-D712-E744-A224-7CF68A81C86E}" type="datetimeFigureOut">
               <a:rPr lang="en-TW" smtClean="0"/>
-              <a:t>12/1/22</a:t>
+              <a:t>12/7/22</a:t>
             </a:fld>
             <a:endParaRPr lang="en-TW"/>
           </a:p>
@@ -988,7 +988,7 @@
           <a:p>
             <a:fld id="{8ABB3ABB-B943-5B46-A26A-F76C38BE11A4}" type="datetime1">
               <a:rPr lang="en-US" smtClean="0"/>
-              <a:t>12/1/22</a:t>
+              <a:t>12/7/22</a:t>
             </a:fld>
             <a:endParaRPr lang="en-US"/>
           </a:p>
@@ -1178,7 +1178,7 @@
           <a:p>
             <a:fld id="{1212C710-F03B-5544-A484-54B8EC567FDB}" type="datetime1">
               <a:rPr lang="en-US" smtClean="0"/>
-              <a:t>12/1/22</a:t>
+              <a:t>12/7/22</a:t>
             </a:fld>
             <a:endParaRPr lang="en-US"/>
           </a:p>
@@ -1407,7 +1407,7 @@
           <a:p>
             <a:fld id="{23CCFD61-3C60-9D43-8AE1-B1E06DF683C7}" type="datetime1">
               <a:rPr lang="en-US" smtClean="0"/>
-              <a:t>12/1/22</a:t>
+              <a:t>12/7/22</a:t>
             </a:fld>
             <a:endParaRPr lang="en-US"/>
           </a:p>
@@ -1565,7 +1565,7 @@
           <a:p>
             <a:fld id="{7574CC05-A336-AC4C-BE50-E52B96FDE1FA}" type="datetime1">
               <a:rPr lang="en-US" smtClean="0"/>
-              <a:t>12/1/22</a:t>
+              <a:t>12/7/22</a:t>
             </a:fld>
             <a:endParaRPr lang="en-US"/>
           </a:p>
@@ -1669,7 +1669,7 @@
           <a:p>
             <a:fld id="{658F7945-BC51-A749-85F3-1D2F54A64D49}" type="datetime1">
               <a:rPr lang="en-US" smtClean="0"/>
-              <a:t>12/1/22</a:t>
+              <a:t>12/7/22</a:t>
             </a:fld>
             <a:endParaRPr lang="en-US"/>
           </a:p>
@@ -1979,7 +1979,7 @@
           <a:p>
             <a:fld id="{1128DA37-C561-074C-8615-827512D0E2FE}" type="datetime1">
               <a:rPr lang="en-US" smtClean="0"/>
-              <a:t>12/1/22</a:t>
+              <a:t>12/7/22</a:t>
             </a:fld>
             <a:endParaRPr lang="en-US"/>
           </a:p>
@@ -4469,10 +4469,10 @@
       </p:sp>
       <p:pic>
         <p:nvPicPr>
-          <p:cNvPr id="11" name="圖片 10">
+          <p:cNvPr id="6" name="圖片 5">
             <a:extLst>
               <a:ext uri="{FF2B5EF4-FFF2-40B4-BE49-F238E27FC236}">
-                <a16:creationId xmlns:a16="http://schemas.microsoft.com/office/drawing/2014/main" id="{1188804C-3B81-171A-1B7A-50821A015CBB}"/>
+                <a16:creationId xmlns:a16="http://schemas.microsoft.com/office/drawing/2014/main" id="{61C09B13-A264-73BA-6C64-950F3276A2D3}"/>
               </a:ext>
             </a:extLst>
           </p:cNvPr>
@@ -4495,8 +4495,8 @@
         </p:blipFill>
         <p:spPr>
           <a:xfrm>
-            <a:off x="5715000" y="533399"/>
-            <a:ext cx="3169920" cy="5596889"/>
+            <a:off x="5715000" y="184150"/>
+            <a:ext cx="3695700" cy="6489700"/>
           </a:xfrm>
           <a:prstGeom prst="rect">
             <a:avLst/>
